--- a/修論/本文0105/figure/fig_2_1_wafer_structure.pptx
+++ b/修論/本文0105/figure/fig_2_1_wafer_structure.pptx
@@ -200,7 +200,7 @@
           <a:p>
             <a:fld id="{8DFBEA63-8B98-9F41-875C-A608084193E2}" type="datetimeFigureOut">
               <a:rPr kumimoji="1" lang="ja-JP" altLang="en-US" smtClean="0"/>
-              <a:t>2018/12/30</a:t>
+              <a:t>2019/1/8</a:t>
             </a:fld>
             <a:endParaRPr kumimoji="1" lang="ja-JP" altLang="en-US"/>
           </a:p>
@@ -613,7 +613,7 @@
           <a:p>
             <a:fld id="{9BDF24C7-6B41-7845-844E-C35E95C0B0B9}" type="datetime1">
               <a:rPr kumimoji="1" lang="ja-JP" altLang="en-US" smtClean="0"/>
-              <a:t>2018/12/30</a:t>
+              <a:t>2019/1/8</a:t>
             </a:fld>
             <a:endParaRPr kumimoji="1" lang="ja-JP" altLang="en-US"/>
           </a:p>
@@ -791,7 +791,7 @@
           <a:p>
             <a:fld id="{B6D716B3-C6A7-AB4D-9CCA-4BD943D45596}" type="datetime1">
               <a:rPr kumimoji="1" lang="ja-JP" altLang="en-US" smtClean="0"/>
-              <a:t>2018/12/30</a:t>
+              <a:t>2019/1/8</a:t>
             </a:fld>
             <a:endParaRPr kumimoji="1" lang="ja-JP" altLang="en-US"/>
           </a:p>
@@ -979,7 +979,7 @@
           <a:p>
             <a:fld id="{B49D39CA-ABF6-9A49-BC13-35A7F54DC8B3}" type="datetime1">
               <a:rPr kumimoji="1" lang="ja-JP" altLang="en-US" smtClean="0"/>
-              <a:t>2018/12/30</a:t>
+              <a:t>2019/1/8</a:t>
             </a:fld>
             <a:endParaRPr kumimoji="1" lang="ja-JP" altLang="en-US"/>
           </a:p>
@@ -1157,7 +1157,7 @@
           <a:p>
             <a:fld id="{4578804A-DA16-7F4F-8051-536C0692ABA8}" type="datetime1">
               <a:rPr kumimoji="1" lang="ja-JP" altLang="en-US" smtClean="0"/>
-              <a:t>2018/12/30</a:t>
+              <a:t>2019/1/8</a:t>
             </a:fld>
             <a:endParaRPr kumimoji="1" lang="ja-JP" altLang="en-US"/>
           </a:p>
@@ -1438,7 +1438,7 @@
           <a:p>
             <a:fld id="{484D6240-46EB-2641-ACCF-E7D6D609C3B8}" type="datetime1">
               <a:rPr kumimoji="1" lang="ja-JP" altLang="en-US" smtClean="0"/>
-              <a:t>2018/12/30</a:t>
+              <a:t>2019/1/8</a:t>
             </a:fld>
             <a:endParaRPr kumimoji="1" lang="ja-JP" altLang="en-US"/>
           </a:p>
@@ -1686,7 +1686,7 @@
           <a:p>
             <a:fld id="{A0AAE704-E227-5949-8862-C82080F7D381}" type="datetime1">
               <a:rPr kumimoji="1" lang="ja-JP" altLang="en-US" smtClean="0"/>
-              <a:t>2018/12/30</a:t>
+              <a:t>2019/1/8</a:t>
             </a:fld>
             <a:endParaRPr kumimoji="1" lang="ja-JP" altLang="en-US"/>
           </a:p>
@@ -2143,7 +2143,7 @@
           <a:p>
             <a:fld id="{A055EB14-B044-4543-B8A1-8EF8A00D3592}" type="datetime1">
               <a:rPr kumimoji="1" lang="ja-JP" altLang="en-US" smtClean="0"/>
-              <a:t>2018/12/30</a:t>
+              <a:t>2019/1/8</a:t>
             </a:fld>
             <a:endParaRPr kumimoji="1" lang="ja-JP" altLang="en-US"/>
           </a:p>
@@ -2261,7 +2261,7 @@
           <a:p>
             <a:fld id="{CF45A974-7BB0-3E49-8812-AD1A6A105C8D}" type="datetime1">
               <a:rPr kumimoji="1" lang="ja-JP" altLang="en-US" smtClean="0"/>
-              <a:t>2018/12/30</a:t>
+              <a:t>2019/1/8</a:t>
             </a:fld>
             <a:endParaRPr kumimoji="1" lang="ja-JP" altLang="en-US"/>
           </a:p>
@@ -2356,7 +2356,7 @@
           <a:p>
             <a:fld id="{BACD50BD-1D0E-2442-8064-D04A1313C0AF}" type="datetime1">
               <a:rPr kumimoji="1" lang="ja-JP" altLang="en-US" smtClean="0"/>
-              <a:t>2018/12/30</a:t>
+              <a:t>2019/1/8</a:t>
             </a:fld>
             <a:endParaRPr kumimoji="1" lang="ja-JP" altLang="en-US"/>
           </a:p>
@@ -2678,7 +2678,7 @@
           <a:p>
             <a:fld id="{45B1EC6C-E332-374D-9460-F9DB82655DCB}" type="datetime1">
               <a:rPr kumimoji="1" lang="ja-JP" altLang="en-US" smtClean="0"/>
-              <a:t>2018/12/30</a:t>
+              <a:t>2019/1/8</a:t>
             </a:fld>
             <a:endParaRPr kumimoji="1" lang="ja-JP" altLang="en-US"/>
           </a:p>
@@ -2972,7 +2972,7 @@
           <a:p>
             <a:fld id="{2CCCF1FB-052D-1B47-8D5F-CC6D6E16C2FD}" type="datetime1">
               <a:rPr kumimoji="1" lang="ja-JP" altLang="en-US" smtClean="0"/>
-              <a:t>2018/12/30</a:t>
+              <a:t>2019/1/8</a:t>
             </a:fld>
             <a:endParaRPr kumimoji="1" lang="ja-JP" altLang="en-US"/>
           </a:p>
@@ -3193,7 +3193,7 @@
           <a:p>
             <a:fld id="{DB77BAEC-72CD-BB44-9B46-2B73B6701ED0}" type="datetime1">
               <a:rPr kumimoji="1" lang="ja-JP" altLang="en-US" smtClean="0"/>
-              <a:t>2018/12/30</a:t>
+              <a:t>2019/1/8</a:t>
             </a:fld>
             <a:endParaRPr kumimoji="1" lang="ja-JP" altLang="en-US"/>
           </a:p>
@@ -9136,9 +9136,9 @@
             <p:nvPr/>
           </p:nvCxnSpPr>
           <p:spPr>
-            <a:xfrm flipV="1">
-              <a:off x="6090321" y="2733034"/>
-              <a:ext cx="0" cy="1558072"/>
+            <a:xfrm flipH="1" flipV="1">
+              <a:off x="6090321" y="2716100"/>
+              <a:ext cx="6435" cy="486638"/>
             </a:xfrm>
             <a:prstGeom prst="line">
               <a:avLst/>
@@ -9710,8 +9710,8 @@
         </p:nvCxnSpPr>
         <p:spPr>
           <a:xfrm flipV="1">
-            <a:off x="5433392" y="2733035"/>
-            <a:ext cx="0" cy="489953"/>
+            <a:off x="5433392" y="2704469"/>
+            <a:ext cx="0" cy="518520"/>
           </a:xfrm>
           <a:prstGeom prst="line">
             <a:avLst/>
@@ -10796,6 +10796,292 @@
           </a:p>
         </p:txBody>
       </p:sp>
+      <p:cxnSp>
+        <p:nvCxnSpPr>
+          <p:cNvPr id="6" name="直線矢印コネクタ 5">
+            <a:extLst>
+              <a:ext uri="{FF2B5EF4-FFF2-40B4-BE49-F238E27FC236}">
+                <a16:creationId xmlns:a16="http://schemas.microsoft.com/office/drawing/2014/main" id="{8F520A98-A64F-F547-8AF4-6802D31C3676}"/>
+              </a:ext>
+            </a:extLst>
+          </p:cNvPr>
+          <p:cNvCxnSpPr/>
+          <p:nvPr/>
+        </p:nvCxnSpPr>
+        <p:spPr>
+          <a:xfrm>
+            <a:off x="5264067" y="-513347"/>
+            <a:ext cx="1163561" cy="0"/>
+          </a:xfrm>
+          <a:prstGeom prst="straightConnector1">
+            <a:avLst/>
+          </a:prstGeom>
+          <a:ln w="28575">
+            <a:tailEnd type="triangle"/>
+          </a:ln>
+        </p:spPr>
+        <p:style>
+          <a:lnRef idx="1">
+            <a:schemeClr val="accent1"/>
+          </a:lnRef>
+          <a:fillRef idx="0">
+            <a:schemeClr val="accent1"/>
+          </a:fillRef>
+          <a:effectRef idx="0">
+            <a:schemeClr val="accent1"/>
+          </a:effectRef>
+          <a:fontRef idx="minor">
+            <a:schemeClr val="tx1"/>
+          </a:fontRef>
+        </p:style>
+      </p:cxnSp>
+      <p:sp>
+        <p:nvSpPr>
+          <p:cNvPr id="7" name="テキスト ボックス 6">
+            <a:extLst>
+              <a:ext uri="{FF2B5EF4-FFF2-40B4-BE49-F238E27FC236}">
+                <a16:creationId xmlns:a16="http://schemas.microsoft.com/office/drawing/2014/main" id="{8E69F391-56D4-2F46-83B6-DADBE66AB3B3}"/>
+              </a:ext>
+            </a:extLst>
+          </p:cNvPr>
+          <p:cNvSpPr txBox="1"/>
+          <p:nvPr/>
+        </p:nvSpPr>
+        <p:spPr>
+          <a:xfrm>
+            <a:off x="4796134" y="-673044"/>
+            <a:ext cx="467933" cy="369332"/>
+          </a:xfrm>
+          <a:prstGeom prst="rect">
+            <a:avLst/>
+          </a:prstGeom>
+          <a:noFill/>
+        </p:spPr>
+        <p:txBody>
+          <a:bodyPr wrap="square" rtlCol="0">
+            <a:spAutoFit/>
+          </a:bodyPr>
+          <a:lstStyle/>
+          <a:p>
+            <a:r>
+              <a:rPr lang="ja-JP" altLang="en-US"/>
+              <a:t>小</a:t>
+            </a:r>
+            <a:endParaRPr kumimoji="1" lang="ja-JP" altLang="en-US"/>
+          </a:p>
+        </p:txBody>
+      </p:sp>
+      <p:sp>
+        <p:nvSpPr>
+          <p:cNvPr id="125" name="テキスト ボックス 124">
+            <a:extLst>
+              <a:ext uri="{FF2B5EF4-FFF2-40B4-BE49-F238E27FC236}">
+                <a16:creationId xmlns:a16="http://schemas.microsoft.com/office/drawing/2014/main" id="{0F405CC9-735B-B244-89A0-803A59B44A69}"/>
+              </a:ext>
+            </a:extLst>
+          </p:cNvPr>
+          <p:cNvSpPr txBox="1"/>
+          <p:nvPr/>
+        </p:nvSpPr>
+        <p:spPr>
+          <a:xfrm>
+            <a:off x="6502770" y="-678195"/>
+            <a:ext cx="467933" cy="369332"/>
+          </a:xfrm>
+          <a:prstGeom prst="rect">
+            <a:avLst/>
+          </a:prstGeom>
+          <a:noFill/>
+        </p:spPr>
+        <p:txBody>
+          <a:bodyPr wrap="square" rtlCol="0">
+            <a:spAutoFit/>
+          </a:bodyPr>
+          <a:lstStyle/>
+          <a:p>
+            <a:r>
+              <a:rPr kumimoji="1" lang="ja-JP" altLang="en-US"/>
+              <a:t>大</a:t>
+            </a:r>
+          </a:p>
+        </p:txBody>
+      </p:sp>
+      <p:cxnSp>
+        <p:nvCxnSpPr>
+          <p:cNvPr id="127" name="直線コネクタ 126">
+            <a:extLst>
+              <a:ext uri="{FF2B5EF4-FFF2-40B4-BE49-F238E27FC236}">
+                <a16:creationId xmlns:a16="http://schemas.microsoft.com/office/drawing/2014/main" id="{66D742F4-0716-8D4D-9616-A139901E2780}"/>
+              </a:ext>
+            </a:extLst>
+          </p:cNvPr>
+          <p:cNvCxnSpPr>
+            <a:cxnSpLocks/>
+          </p:cNvCxnSpPr>
+          <p:nvPr/>
+        </p:nvCxnSpPr>
+        <p:spPr>
+          <a:xfrm flipV="1">
+            <a:off x="6104529" y="3735331"/>
+            <a:ext cx="1" cy="549677"/>
+          </a:xfrm>
+          <a:prstGeom prst="line">
+            <a:avLst/>
+          </a:prstGeom>
+          <a:ln w="28575">
+            <a:solidFill>
+              <a:schemeClr val="tx1"/>
+            </a:solidFill>
+            <a:prstDash val="solid"/>
+          </a:ln>
+        </p:spPr>
+        <p:style>
+          <a:lnRef idx="1">
+            <a:schemeClr val="dk1"/>
+          </a:lnRef>
+          <a:fillRef idx="0">
+            <a:schemeClr val="dk1"/>
+          </a:fillRef>
+          <a:effectRef idx="0">
+            <a:schemeClr val="dk1"/>
+          </a:effectRef>
+          <a:fontRef idx="minor">
+            <a:schemeClr val="tx1"/>
+          </a:fontRef>
+        </p:style>
+      </p:cxnSp>
+      <p:cxnSp>
+        <p:nvCxnSpPr>
+          <p:cNvPr id="129" name="直線コネクタ 128">
+            <a:extLst>
+              <a:ext uri="{FF2B5EF4-FFF2-40B4-BE49-F238E27FC236}">
+                <a16:creationId xmlns:a16="http://schemas.microsoft.com/office/drawing/2014/main" id="{5B3658DC-C63B-2A43-AE43-72885FF7705D}"/>
+              </a:ext>
+            </a:extLst>
+          </p:cNvPr>
+          <p:cNvCxnSpPr>
+            <a:cxnSpLocks/>
+          </p:cNvCxnSpPr>
+          <p:nvPr/>
+        </p:nvCxnSpPr>
+        <p:spPr>
+          <a:xfrm flipV="1">
+            <a:off x="6017567" y="3207062"/>
+            <a:ext cx="0" cy="507489"/>
+          </a:xfrm>
+          <a:prstGeom prst="line">
+            <a:avLst/>
+          </a:prstGeom>
+          <a:ln w="28575">
+            <a:solidFill>
+              <a:schemeClr val="tx1"/>
+            </a:solidFill>
+            <a:prstDash val="solid"/>
+          </a:ln>
+        </p:spPr>
+        <p:style>
+          <a:lnRef idx="1">
+            <a:schemeClr val="dk1"/>
+          </a:lnRef>
+          <a:fillRef idx="0">
+            <a:schemeClr val="dk1"/>
+          </a:fillRef>
+          <a:effectRef idx="0">
+            <a:schemeClr val="dk1"/>
+          </a:effectRef>
+          <a:fontRef idx="minor">
+            <a:schemeClr val="tx1"/>
+          </a:fontRef>
+        </p:style>
+      </p:cxnSp>
+      <p:cxnSp>
+        <p:nvCxnSpPr>
+          <p:cNvPr id="131" name="直線コネクタ 130">
+            <a:extLst>
+              <a:ext uri="{FF2B5EF4-FFF2-40B4-BE49-F238E27FC236}">
+                <a16:creationId xmlns:a16="http://schemas.microsoft.com/office/drawing/2014/main" id="{184AE7DD-0BA0-3D4C-870B-7EFF878D09CE}"/>
+              </a:ext>
+            </a:extLst>
+          </p:cNvPr>
+          <p:cNvCxnSpPr>
+            <a:cxnSpLocks/>
+          </p:cNvCxnSpPr>
+          <p:nvPr/>
+        </p:nvCxnSpPr>
+        <p:spPr>
+          <a:xfrm>
+            <a:off x="6017566" y="3222988"/>
+            <a:ext cx="72338" cy="0"/>
+          </a:xfrm>
+          <a:prstGeom prst="line">
+            <a:avLst/>
+          </a:prstGeom>
+          <a:ln w="28575">
+            <a:solidFill>
+              <a:schemeClr val="tx1"/>
+            </a:solidFill>
+            <a:prstDash val="solid"/>
+          </a:ln>
+        </p:spPr>
+        <p:style>
+          <a:lnRef idx="1">
+            <a:schemeClr val="dk1"/>
+          </a:lnRef>
+          <a:fillRef idx="0">
+            <a:schemeClr val="dk1"/>
+          </a:fillRef>
+          <a:effectRef idx="0">
+            <a:schemeClr val="dk1"/>
+          </a:effectRef>
+          <a:fontRef idx="minor">
+            <a:schemeClr val="tx1"/>
+          </a:fontRef>
+        </p:style>
+      </p:cxnSp>
+      <p:cxnSp>
+        <p:nvCxnSpPr>
+          <p:cNvPr id="226" name="直線コネクタ 225">
+            <a:extLst>
+              <a:ext uri="{FF2B5EF4-FFF2-40B4-BE49-F238E27FC236}">
+                <a16:creationId xmlns:a16="http://schemas.microsoft.com/office/drawing/2014/main" id="{0EDAAAEB-FF79-AC4E-BD69-D7F95C796756}"/>
+              </a:ext>
+            </a:extLst>
+          </p:cNvPr>
+          <p:cNvCxnSpPr>
+            <a:cxnSpLocks/>
+          </p:cNvCxnSpPr>
+          <p:nvPr/>
+        </p:nvCxnSpPr>
+        <p:spPr>
+          <a:xfrm>
+            <a:off x="6017566" y="3728133"/>
+            <a:ext cx="72338" cy="0"/>
+          </a:xfrm>
+          <a:prstGeom prst="line">
+            <a:avLst/>
+          </a:prstGeom>
+          <a:ln w="28575">
+            <a:solidFill>
+              <a:schemeClr val="tx1"/>
+            </a:solidFill>
+            <a:prstDash val="solid"/>
+          </a:ln>
+        </p:spPr>
+        <p:style>
+          <a:lnRef idx="1">
+            <a:schemeClr val="dk1"/>
+          </a:lnRef>
+          <a:fillRef idx="0">
+            <a:schemeClr val="dk1"/>
+          </a:fillRef>
+          <a:effectRef idx="0">
+            <a:schemeClr val="dk1"/>
+          </a:effectRef>
+          <a:fontRef idx="minor">
+            <a:schemeClr val="tx1"/>
+          </a:fontRef>
+        </p:style>
+      </p:cxnSp>
     </p:spTree>
     <p:extLst>
       <p:ext uri="{BB962C8B-B14F-4D97-AF65-F5344CB8AC3E}">
